--- a/React-Workshop.pptx
+++ b/React-Workshop.pptx
@@ -5,30 +5,31 @@
     <p:sldMasterId id="2147483661" r:id="rId1"/>
   </p:sldMasterIdLst>
   <p:notesMasterIdLst>
-    <p:notesMasterId r:id="rId8"/>
+    <p:notesMasterId r:id="rId9"/>
   </p:notesMasterIdLst>
   <p:sldIdLst>
     <p:sldId id="256" r:id="rId2"/>
     <p:sldId id="257" r:id="rId3"/>
     <p:sldId id="261" r:id="rId4"/>
-    <p:sldId id="258" r:id="rId5"/>
-    <p:sldId id="262" r:id="rId6"/>
-    <p:sldId id="286" r:id="rId7"/>
+    <p:sldId id="287" r:id="rId5"/>
+    <p:sldId id="258" r:id="rId6"/>
+    <p:sldId id="262" r:id="rId7"/>
+    <p:sldId id="286" r:id="rId8"/>
   </p:sldIdLst>
   <p:sldSz cx="9144000" cy="5143500" type="screen16x9"/>
   <p:notesSz cx="6858000" cy="9144000"/>
   <p:embeddedFontLst>
     <p:embeddedFont>
       <p:font typeface="Calibri" panose="020F0502020204030204" pitchFamily="34" charset="0"/>
-      <p:regular r:id="rId9"/>
-      <p:bold r:id="rId10"/>
-      <p:italic r:id="rId11"/>
-      <p:boldItalic r:id="rId12"/>
+      <p:regular r:id="rId10"/>
+      <p:bold r:id="rId11"/>
+      <p:italic r:id="rId12"/>
+      <p:boldItalic r:id="rId13"/>
     </p:embeddedFont>
     <p:embeddedFont>
-      <p:font typeface="Hind" panose="020B0604020202020204" charset="0"/>
-      <p:regular r:id="rId13"/>
-      <p:bold r:id="rId14"/>
+      <p:font typeface="Hind" panose="02000000000000000000" pitchFamily="2" charset="0"/>
+      <p:regular r:id="rId14"/>
+      <p:bold r:id="rId15"/>
     </p:embeddedFont>
   </p:embeddedFontLst>
   <p:defaultTextStyle>
@@ -7562,7 +7563,7 @@
             </a:br>
             <a:r>
               <a:rPr lang="en" sz="1600" dirty="0"/>
-              <a:t>Web Dev Club, CSWN and CIT Council</a:t>
+              <a:t>Web Dev Club</a:t>
             </a:r>
             <a:endParaRPr dirty="0"/>
           </a:p>
@@ -8246,6 +8247,477 @@
   <p:cSld>
     <p:spTree>
       <p:nvGrpSpPr>
+        <p:cNvPr id="1" name=""/>
+        <p:cNvGrpSpPr/>
+        <p:nvPr/>
+      </p:nvGrpSpPr>
+      <p:grpSpPr>
+        <a:xfrm>
+          <a:off x="0" y="0"/>
+          <a:ext cx="0" cy="0"/>
+          <a:chOff x="0" y="0"/>
+          <a:chExt cx="0" cy="0"/>
+        </a:xfrm>
+      </p:grpSpPr>
+      <p:sp>
+        <p:nvSpPr>
+          <p:cNvPr id="2" name="Title 1">
+            <a:extLst>
+              <a:ext uri="{FF2B5EF4-FFF2-40B4-BE49-F238E27FC236}">
+                <a16:creationId xmlns:a16="http://schemas.microsoft.com/office/drawing/2014/main" id="{31F27A13-AC9D-436A-A6BD-11FE23B6F294}"/>
+              </a:ext>
+            </a:extLst>
+          </p:cNvPr>
+          <p:cNvSpPr>
+            <a:spLocks noGrp="1"/>
+          </p:cNvSpPr>
+          <p:nvPr>
+            <p:ph type="title"/>
+          </p:nvPr>
+        </p:nvSpPr>
+        <p:spPr/>
+        <p:txBody>
+          <a:bodyPr/>
+          <a:lstStyle/>
+          <a:p>
+            <a:r>
+              <a:rPr lang="en-US" dirty="0"/>
+              <a:t>WEBSITES THAT USE </a:t>
+            </a:r>
+            <a:r>
+              <a:rPr lang="en-US" dirty="0">
+                <a:solidFill>
+                  <a:schemeClr val="bg1">
+                    <a:lumMod val="50000"/>
+                    <a:lumOff val="50000"/>
+                  </a:schemeClr>
+                </a:solidFill>
+              </a:rPr>
+              <a:t>REACT</a:t>
+            </a:r>
+          </a:p>
+        </p:txBody>
+      </p:sp>
+      <p:sp>
+        <p:nvSpPr>
+          <p:cNvPr id="3" name="Text Placeholder 2">
+            <a:extLst>
+              <a:ext uri="{FF2B5EF4-FFF2-40B4-BE49-F238E27FC236}">
+                <a16:creationId xmlns:a16="http://schemas.microsoft.com/office/drawing/2014/main" id="{8BAC8CC7-35F3-4BC7-B455-64BADF2549C8}"/>
+              </a:ext>
+            </a:extLst>
+          </p:cNvPr>
+          <p:cNvSpPr>
+            <a:spLocks noGrp="1"/>
+          </p:cNvSpPr>
+          <p:nvPr>
+            <p:ph type="body" idx="1"/>
+          </p:nvPr>
+        </p:nvSpPr>
+        <p:spPr/>
+        <p:txBody>
+          <a:bodyPr/>
+          <a:lstStyle/>
+          <a:p>
+            <a:pPr rtl="0" fontAlgn="base">
+              <a:spcBef>
+                <a:spcPts val="0"/>
+              </a:spcBef>
+              <a:spcAft>
+                <a:spcPts val="0"/>
+              </a:spcAft>
+              <a:buFont typeface="Arial" panose="020B0604020202020204" pitchFamily="34" charset="0"/>
+              <a:buChar char="•"/>
+            </a:pPr>
+            <a:r>
+              <a:rPr lang="en-US" sz="1800" b="0" i="0" u="none" strike="noStrike" dirty="0">
+                <a:solidFill>
+                  <a:srgbClr val="FFFFFF"/>
+                </a:solidFill>
+                <a:effectLst/>
+                <a:latin typeface="Hind" panose="02000000000000000000" pitchFamily="2" charset="0"/>
+                <a:cs typeface="Hind" panose="02000000000000000000" pitchFamily="2" charset="0"/>
+              </a:rPr>
+              <a:t>Instagram</a:t>
+            </a:r>
+            <a:endParaRPr lang="en-US" sz="1800" b="0" i="0" u="none" strike="noStrike" dirty="0">
+              <a:solidFill>
+                <a:srgbClr val="8870A0"/>
+              </a:solidFill>
+              <a:effectLst/>
+              <a:latin typeface="Hind" panose="02000000000000000000" pitchFamily="2" charset="0"/>
+              <a:cs typeface="Hind" panose="02000000000000000000" pitchFamily="2" charset="0"/>
+            </a:endParaRPr>
+          </a:p>
+          <a:p>
+            <a:pPr rtl="0" fontAlgn="base">
+              <a:spcBef>
+                <a:spcPts val="0"/>
+              </a:spcBef>
+              <a:spcAft>
+                <a:spcPts val="0"/>
+              </a:spcAft>
+              <a:buFont typeface="Arial" panose="020B0604020202020204" pitchFamily="34" charset="0"/>
+              <a:buChar char="•"/>
+            </a:pPr>
+            <a:r>
+              <a:rPr lang="en-US" sz="1800" b="0" i="0" u="none" strike="noStrike" dirty="0">
+                <a:solidFill>
+                  <a:srgbClr val="FFFFFF"/>
+                </a:solidFill>
+                <a:effectLst/>
+                <a:latin typeface="Hind" panose="02000000000000000000" pitchFamily="2" charset="0"/>
+                <a:cs typeface="Hind" panose="02000000000000000000" pitchFamily="2" charset="0"/>
+              </a:rPr>
+              <a:t>Netflix</a:t>
+            </a:r>
+            <a:endParaRPr lang="en-US" sz="1800" b="0" i="0" u="none" strike="noStrike" dirty="0">
+              <a:solidFill>
+                <a:srgbClr val="8870A0"/>
+              </a:solidFill>
+              <a:effectLst/>
+              <a:latin typeface="Hind" panose="02000000000000000000" pitchFamily="2" charset="0"/>
+              <a:cs typeface="Hind" panose="02000000000000000000" pitchFamily="2" charset="0"/>
+            </a:endParaRPr>
+          </a:p>
+          <a:p>
+            <a:pPr rtl="0" fontAlgn="base">
+              <a:spcBef>
+                <a:spcPts val="0"/>
+              </a:spcBef>
+              <a:spcAft>
+                <a:spcPts val="0"/>
+              </a:spcAft>
+              <a:buFont typeface="Arial" panose="020B0604020202020204" pitchFamily="34" charset="0"/>
+              <a:buChar char="•"/>
+            </a:pPr>
+            <a:r>
+              <a:rPr lang="en-US" sz="1800" b="0" i="0" u="none" strike="noStrike" dirty="0">
+                <a:solidFill>
+                  <a:srgbClr val="FFFFFF"/>
+                </a:solidFill>
+                <a:effectLst/>
+                <a:latin typeface="Hind" panose="02000000000000000000" pitchFamily="2" charset="0"/>
+                <a:cs typeface="Hind" panose="02000000000000000000" pitchFamily="2" charset="0"/>
+              </a:rPr>
+              <a:t>Dropbox</a:t>
+            </a:r>
+            <a:endParaRPr lang="en-US" sz="1800" b="0" i="0" u="none" strike="noStrike" dirty="0">
+              <a:solidFill>
+                <a:srgbClr val="8870A0"/>
+              </a:solidFill>
+              <a:effectLst/>
+              <a:latin typeface="Hind" panose="02000000000000000000" pitchFamily="2" charset="0"/>
+              <a:cs typeface="Hind" panose="02000000000000000000" pitchFamily="2" charset="0"/>
+            </a:endParaRPr>
+          </a:p>
+          <a:p>
+            <a:pPr rtl="0" fontAlgn="base">
+              <a:spcBef>
+                <a:spcPts val="0"/>
+              </a:spcBef>
+              <a:spcAft>
+                <a:spcPts val="0"/>
+              </a:spcAft>
+              <a:buFont typeface="Arial" panose="020B0604020202020204" pitchFamily="34" charset="0"/>
+              <a:buChar char="•"/>
+            </a:pPr>
+            <a:r>
+              <a:rPr lang="en-US" sz="1800" b="0" i="0" u="none" strike="noStrike" dirty="0">
+                <a:solidFill>
+                  <a:srgbClr val="FFFFFF"/>
+                </a:solidFill>
+                <a:effectLst/>
+                <a:latin typeface="Hind" panose="02000000000000000000" pitchFamily="2" charset="0"/>
+                <a:cs typeface="Hind" panose="02000000000000000000" pitchFamily="2" charset="0"/>
+              </a:rPr>
+              <a:t>Airbnb</a:t>
+            </a:r>
+            <a:endParaRPr lang="en-US" sz="1800" b="0" i="0" u="none" strike="noStrike" dirty="0">
+              <a:solidFill>
+                <a:srgbClr val="8870A0"/>
+              </a:solidFill>
+              <a:effectLst/>
+              <a:latin typeface="Hind" panose="02000000000000000000" pitchFamily="2" charset="0"/>
+              <a:cs typeface="Hind" panose="02000000000000000000" pitchFamily="2" charset="0"/>
+            </a:endParaRPr>
+          </a:p>
+          <a:p>
+            <a:pPr rtl="0" fontAlgn="base">
+              <a:spcBef>
+                <a:spcPts val="0"/>
+              </a:spcBef>
+              <a:spcAft>
+                <a:spcPts val="0"/>
+              </a:spcAft>
+              <a:buFont typeface="Arial" panose="020B0604020202020204" pitchFamily="34" charset="0"/>
+              <a:buChar char="•"/>
+            </a:pPr>
+            <a:r>
+              <a:rPr lang="en-US" sz="1800" b="0" i="0" u="none" strike="noStrike" dirty="0">
+                <a:solidFill>
+                  <a:srgbClr val="FFFFFF"/>
+                </a:solidFill>
+                <a:effectLst/>
+                <a:latin typeface="Hind" panose="02000000000000000000" pitchFamily="2" charset="0"/>
+                <a:cs typeface="Hind" panose="02000000000000000000" pitchFamily="2" charset="0"/>
+              </a:rPr>
+              <a:t>PayPal</a:t>
+            </a:r>
+            <a:endParaRPr lang="en-US" sz="1800" b="0" i="0" u="none" strike="noStrike" dirty="0">
+              <a:solidFill>
+                <a:srgbClr val="8870A0"/>
+              </a:solidFill>
+              <a:effectLst/>
+              <a:latin typeface="Hind" panose="02000000000000000000" pitchFamily="2" charset="0"/>
+              <a:cs typeface="Hind" panose="02000000000000000000" pitchFamily="2" charset="0"/>
+            </a:endParaRPr>
+          </a:p>
+          <a:p>
+            <a:pPr rtl="0" fontAlgn="base">
+              <a:spcBef>
+                <a:spcPts val="0"/>
+              </a:spcBef>
+              <a:spcAft>
+                <a:spcPts val="0"/>
+              </a:spcAft>
+              <a:buFont typeface="Arial" panose="020B0604020202020204" pitchFamily="34" charset="0"/>
+              <a:buChar char="•"/>
+            </a:pPr>
+            <a:r>
+              <a:rPr lang="en-US" sz="1800" b="0" i="0" u="none" strike="noStrike" dirty="0">
+                <a:solidFill>
+                  <a:srgbClr val="FFFFFF"/>
+                </a:solidFill>
+                <a:effectLst/>
+                <a:latin typeface="Hind" panose="02000000000000000000" pitchFamily="2" charset="0"/>
+                <a:cs typeface="Hind" panose="02000000000000000000" pitchFamily="2" charset="0"/>
+              </a:rPr>
+              <a:t>Reddit</a:t>
+            </a:r>
+            <a:endParaRPr lang="en-US" sz="1800" b="0" i="0" u="none" strike="noStrike" dirty="0">
+              <a:solidFill>
+                <a:srgbClr val="8870A0"/>
+              </a:solidFill>
+              <a:effectLst/>
+              <a:latin typeface="Hind" panose="02000000000000000000" pitchFamily="2" charset="0"/>
+              <a:cs typeface="Hind" panose="02000000000000000000" pitchFamily="2" charset="0"/>
+            </a:endParaRPr>
+          </a:p>
+          <a:p>
+            <a:pPr rtl="0" fontAlgn="base">
+              <a:spcBef>
+                <a:spcPts val="0"/>
+              </a:spcBef>
+              <a:spcAft>
+                <a:spcPts val="0"/>
+              </a:spcAft>
+              <a:buFont typeface="Arial" panose="020B0604020202020204" pitchFamily="34" charset="0"/>
+              <a:buChar char="•"/>
+            </a:pPr>
+            <a:r>
+              <a:rPr lang="en-US" sz="1800" b="0" i="0" u="none" strike="noStrike" dirty="0" err="1">
+                <a:solidFill>
+                  <a:srgbClr val="FFFFFF"/>
+                </a:solidFill>
+                <a:effectLst/>
+                <a:latin typeface="Hind" panose="02000000000000000000" pitchFamily="2" charset="0"/>
+                <a:cs typeface="Hind" panose="02000000000000000000" pitchFamily="2" charset="0"/>
+              </a:rPr>
+              <a:t>KhanAcademy</a:t>
+            </a:r>
+            <a:endParaRPr lang="en-US" sz="1800" b="0" i="0" u="none" strike="noStrike" dirty="0">
+              <a:solidFill>
+                <a:srgbClr val="8870A0"/>
+              </a:solidFill>
+              <a:effectLst/>
+              <a:latin typeface="Hind" panose="02000000000000000000" pitchFamily="2" charset="0"/>
+              <a:cs typeface="Hind" panose="02000000000000000000" pitchFamily="2" charset="0"/>
+            </a:endParaRPr>
+          </a:p>
+          <a:p>
+            <a:pPr rtl="0" fontAlgn="base">
+              <a:spcBef>
+                <a:spcPts val="0"/>
+              </a:spcBef>
+              <a:spcAft>
+                <a:spcPts val="0"/>
+              </a:spcAft>
+              <a:buFont typeface="Arial" panose="020B0604020202020204" pitchFamily="34" charset="0"/>
+              <a:buChar char="•"/>
+            </a:pPr>
+            <a:r>
+              <a:rPr lang="en-US" sz="1800" b="0" i="0" u="none" strike="noStrike" dirty="0" err="1">
+                <a:solidFill>
+                  <a:srgbClr val="FFFFFF"/>
+                </a:solidFill>
+                <a:effectLst/>
+                <a:latin typeface="Hind" panose="02000000000000000000" pitchFamily="2" charset="0"/>
+                <a:cs typeface="Hind" panose="02000000000000000000" pitchFamily="2" charset="0"/>
+              </a:rPr>
+              <a:t>UberEats</a:t>
+            </a:r>
+            <a:endParaRPr lang="en-US" sz="1800" b="0" i="0" u="none" strike="noStrike" dirty="0">
+              <a:solidFill>
+                <a:srgbClr val="8870A0"/>
+              </a:solidFill>
+              <a:effectLst/>
+              <a:latin typeface="Hind" panose="02000000000000000000" pitchFamily="2" charset="0"/>
+              <a:cs typeface="Hind" panose="02000000000000000000" pitchFamily="2" charset="0"/>
+            </a:endParaRPr>
+          </a:p>
+        </p:txBody>
+      </p:sp>
+      <p:sp>
+        <p:nvSpPr>
+          <p:cNvPr id="4" name="Slide Number Placeholder 3">
+            <a:extLst>
+              <a:ext uri="{FF2B5EF4-FFF2-40B4-BE49-F238E27FC236}">
+                <a16:creationId xmlns:a16="http://schemas.microsoft.com/office/drawing/2014/main" id="{A7F99091-43FC-49AA-9241-15E85EE34009}"/>
+              </a:ext>
+            </a:extLst>
+          </p:cNvPr>
+          <p:cNvSpPr>
+            <a:spLocks noGrp="1"/>
+          </p:cNvSpPr>
+          <p:nvPr>
+            <p:ph type="sldNum" idx="12"/>
+          </p:nvPr>
+        </p:nvSpPr>
+        <p:spPr/>
+        <p:txBody>
+          <a:bodyPr/>
+          <a:lstStyle/>
+          <a:p>
+            <a:pPr marL="0" lvl="0" indent="0" algn="r" rtl="0">
+              <a:spcBef>
+                <a:spcPts val="0"/>
+              </a:spcBef>
+              <a:spcAft>
+                <a:spcPts val="0"/>
+              </a:spcAft>
+              <a:buNone/>
+            </a:pPr>
+            <a:fld id="{00000000-1234-1234-1234-123412341234}" type="slidenum">
+              <a:rPr lang="en" smtClean="0"/>
+              <a:t>4</a:t>
+            </a:fld>
+            <a:endParaRPr lang="en"/>
+          </a:p>
+        </p:txBody>
+      </p:sp>
+      <p:pic>
+        <p:nvPicPr>
+          <p:cNvPr id="1028" name="Picture 4">
+            <a:extLst>
+              <a:ext uri="{FF2B5EF4-FFF2-40B4-BE49-F238E27FC236}">
+                <a16:creationId xmlns:a16="http://schemas.microsoft.com/office/drawing/2014/main" id="{8C27A341-0419-49E6-9EB0-E22290525190}"/>
+              </a:ext>
+            </a:extLst>
+          </p:cNvPr>
+          <p:cNvPicPr>
+            <a:picLocks noChangeAspect="1" noChangeArrowheads="1"/>
+          </p:cNvPicPr>
+          <p:nvPr/>
+        </p:nvPicPr>
+        <p:blipFill>
+          <a:blip r:embed="rId2">
+            <a:extLst>
+              <a:ext uri="{28A0092B-C50C-407E-A947-70E740481C1C}">
+                <a14:useLocalDpi xmlns:a14="http://schemas.microsoft.com/office/drawing/2010/main" val="0"/>
+              </a:ext>
+            </a:extLst>
+          </a:blip>
+          <a:srcRect/>
+          <a:stretch>
+            <a:fillRect/>
+          </a:stretch>
+        </p:blipFill>
+        <p:spPr bwMode="auto">
+          <a:xfrm>
+            <a:off x="4053138" y="1466299"/>
+            <a:ext cx="3121579" cy="1733742"/>
+          </a:xfrm>
+          <a:prstGeom prst="rect">
+            <a:avLst/>
+          </a:prstGeom>
+          <a:noFill/>
+          <a:extLst>
+            <a:ext uri="{909E8E84-426E-40DD-AFC4-6F175D3DCCD1}">
+              <a14:hiddenFill xmlns:a14="http://schemas.microsoft.com/office/drawing/2010/main">
+                <a:solidFill>
+                  <a:srgbClr val="FFFFFF"/>
+                </a:solidFill>
+              </a14:hiddenFill>
+            </a:ext>
+          </a:extLst>
+        </p:spPr>
+      </p:pic>
+      <p:pic>
+        <p:nvPicPr>
+          <p:cNvPr id="1030" name="Picture 6">
+            <a:extLst>
+              <a:ext uri="{FF2B5EF4-FFF2-40B4-BE49-F238E27FC236}">
+                <a16:creationId xmlns:a16="http://schemas.microsoft.com/office/drawing/2014/main" id="{532E0037-11A3-48CB-9871-DD68A8023CB4}"/>
+              </a:ext>
+            </a:extLst>
+          </p:cNvPr>
+          <p:cNvPicPr>
+            <a:picLocks noChangeAspect="1" noChangeArrowheads="1"/>
+          </p:cNvPicPr>
+          <p:nvPr/>
+        </p:nvPicPr>
+        <p:blipFill>
+          <a:blip r:embed="rId3">
+            <a:extLst>
+              <a:ext uri="{28A0092B-C50C-407E-A947-70E740481C1C}">
+                <a14:useLocalDpi xmlns:a14="http://schemas.microsoft.com/office/drawing/2010/main" val="0"/>
+              </a:ext>
+            </a:extLst>
+          </a:blip>
+          <a:srcRect/>
+          <a:stretch>
+            <a:fillRect/>
+          </a:stretch>
+        </p:blipFill>
+        <p:spPr bwMode="auto">
+          <a:xfrm>
+            <a:off x="4053138" y="3351126"/>
+            <a:ext cx="3121579" cy="1592765"/>
+          </a:xfrm>
+          <a:prstGeom prst="rect">
+            <a:avLst/>
+          </a:prstGeom>
+          <a:noFill/>
+          <a:extLst>
+            <a:ext uri="{909E8E84-426E-40DD-AFC4-6F175D3DCCD1}">
+              <a14:hiddenFill xmlns:a14="http://schemas.microsoft.com/office/drawing/2010/main">
+                <a:solidFill>
+                  <a:srgbClr val="FFFFFF"/>
+                </a:solidFill>
+              </a14:hiddenFill>
+            </a:ext>
+          </a:extLst>
+        </p:spPr>
+      </p:pic>
+    </p:spTree>
+    <p:extLst>
+      <p:ext uri="{BB962C8B-B14F-4D97-AF65-F5344CB8AC3E}">
+        <p14:creationId xmlns:p14="http://schemas.microsoft.com/office/powerpoint/2010/main" val="2006191377"/>
+      </p:ext>
+    </p:extLst>
+  </p:cSld>
+  <p:clrMapOvr>
+    <a:masterClrMapping/>
+  </p:clrMapOvr>
+</p:sld>
+</file>
+
+<file path=ppt/slides/slide5.xml><?xml version="1.0" encoding="utf-8"?>
+<p:sld xmlns:a="http://schemas.openxmlformats.org/drawingml/2006/main" xmlns:r="http://schemas.openxmlformats.org/officeDocument/2006/relationships" xmlns:p="http://schemas.openxmlformats.org/presentationml/2006/main">
+  <p:cSld>
+    <p:spTree>
+      <p:nvGrpSpPr>
         <p:cNvPr id="1" name="Shape 209"/>
         <p:cNvGrpSpPr/>
         <p:nvPr/>
@@ -8438,7 +8910,7 @@
             </a:pPr>
             <a:fld id="{00000000-1234-1234-1234-123412341234}" type="slidenum">
               <a:rPr lang="en"/>
-              <a:t>4</a:t>
+              <a:t>5</a:t>
             </a:fld>
             <a:endParaRPr/>
           </a:p>
@@ -8501,7 +8973,7 @@
 </p:sld>
 </file>
 
-<file path=ppt/slides/slide5.xml><?xml version="1.0" encoding="utf-8"?>
+<file path=ppt/slides/slide6.xml><?xml version="1.0" encoding="utf-8"?>
 <p:sld xmlns:a="http://schemas.openxmlformats.org/drawingml/2006/main" xmlns:r="http://schemas.openxmlformats.org/officeDocument/2006/relationships" xmlns:p="http://schemas.openxmlformats.org/presentationml/2006/main">
   <p:cSld>
     <p:spTree>
@@ -8596,7 +9068,7 @@
             </a:pPr>
             <a:fld id="{00000000-1234-1234-1234-123412341234}" type="slidenum">
               <a:rPr lang="en"/>
-              <a:t>5</a:t>
+              <a:t>6</a:t>
             </a:fld>
             <a:endParaRPr/>
           </a:p>
@@ -8671,7 +9143,7 @@
 </p:sld>
 </file>
 
-<file path=ppt/slides/slide6.xml><?xml version="1.0" encoding="utf-8"?>
+<file path=ppt/slides/slide7.xml><?xml version="1.0" encoding="utf-8"?>
 <p:sld xmlns:a="http://schemas.openxmlformats.org/drawingml/2006/main" xmlns:r="http://schemas.openxmlformats.org/officeDocument/2006/relationships" xmlns:p="http://schemas.openxmlformats.org/presentationml/2006/main">
   <p:cSld>
     <p:spTree>
@@ -8766,7 +9238,7 @@
             </a:pPr>
             <a:fld id="{00000000-1234-1234-1234-123412341234}" type="slidenum">
               <a:rPr lang="en"/>
-              <a:t>6</a:t>
+              <a:t>7</a:t>
             </a:fld>
             <a:endParaRPr/>
           </a:p>
